--- a/Gamze Saçmaözü aselsan sunum.pptx
+++ b/Gamze Saçmaözü aselsan sunum.pptx
@@ -6687,7 +6687,28 @@
                 <a:latin typeface="Times New Roman" panose="02020603050405020304" pitchFamily="18" charset="0"/>
                 <a:cs typeface="Times New Roman" panose="02020603050405020304" pitchFamily="18" charset="0"/>
               </a:rPr>
-              <a:t>İsmail Bey’in 2 6063 plakanın dolgu malzemesi olarak 4047 kullanıldığı  literatürde bunun dışında daha iyi özellikte dolgu malzemesi olup olmadığını araştırmamı istemesi üzerine sert lehim ve dolgu malzemeleri üzerine çalışıldı.</a:t>
+              <a:t>İsmail Bey’in 2 </a:t>
+            </a:r>
+            <a:r>
+              <a:rPr lang="tr-TR" dirty="0" smtClean="0">
+                <a:latin typeface="Times New Roman" panose="02020603050405020304" pitchFamily="18" charset="0"/>
+                <a:cs typeface="Times New Roman" panose="02020603050405020304" pitchFamily="18" charset="0"/>
+              </a:rPr>
+              <a:t>adet </a:t>
+            </a:r>
+            <a:r>
+              <a:rPr lang="tr-TR" smtClean="0">
+                <a:latin typeface="Times New Roman" panose="02020603050405020304" pitchFamily="18" charset="0"/>
+                <a:cs typeface="Times New Roman" panose="02020603050405020304" pitchFamily="18" charset="0"/>
+              </a:rPr>
+              <a:t>6063 alüminyum </a:t>
+            </a:r>
+            <a:r>
+              <a:rPr lang="tr-TR" dirty="0" smtClean="0">
+                <a:latin typeface="Times New Roman" panose="02020603050405020304" pitchFamily="18" charset="0"/>
+                <a:cs typeface="Times New Roman" panose="02020603050405020304" pitchFamily="18" charset="0"/>
+              </a:rPr>
+              <a:t>plakanın dolgu malzemesi olarak 4047 kullanıldığı  literatürde bunun dışında daha iyi özellikte dolgu malzemesi olup olmadığını araştırmamı istemesi üzerine sert lehim ve dolgu malzemeleri üzerine çalışıldı.</a:t>
             </a:r>
             <a:endParaRPr lang="tr-TR" dirty="0">
               <a:latin typeface="Times New Roman" panose="02020603050405020304" pitchFamily="18" charset="0"/>
@@ -10746,7 +10767,7 @@
         </p:nvSpPr>
         <p:spPr>
           <a:xfrm>
-            <a:off x="853440" y="960120"/>
+            <a:off x="805939" y="1150126"/>
             <a:ext cx="10607040" cy="646331"/>
           </a:xfrm>
           <a:prstGeom prst="rect">
@@ -10789,7 +10810,7 @@
         </p:nvSpPr>
         <p:spPr>
           <a:xfrm>
-            <a:off x="1143000" y="2240280"/>
+            <a:off x="1119249" y="2667792"/>
             <a:ext cx="9631680" cy="1477328"/>
           </a:xfrm>
           <a:prstGeom prst="rect">
@@ -11187,7 +11208,7 @@
         </p:blipFill>
         <p:spPr>
           <a:xfrm>
-            <a:off x="8953125" y="675087"/>
+            <a:off x="8846027" y="675086"/>
             <a:ext cx="3271010" cy="3007699"/>
           </a:xfrm>
           <a:prstGeom prst="rect">
@@ -11627,7 +11648,7 @@
         </p:blipFill>
         <p:spPr bwMode="auto">
           <a:xfrm>
-            <a:off x="1940551" y="926426"/>
+            <a:off x="2229435" y="940630"/>
             <a:ext cx="5204562" cy="2888113"/>
           </a:xfrm>
           <a:prstGeom prst="rect">
@@ -11680,7 +11701,7 @@
         </p:nvSpPr>
         <p:spPr>
           <a:xfrm>
-            <a:off x="7433997" y="2263432"/>
+            <a:off x="9037166" y="2233764"/>
             <a:ext cx="2108269" cy="369332"/>
           </a:xfrm>
           <a:prstGeom prst="rect">
@@ -11756,7 +11777,7 @@
         </p:blipFill>
         <p:spPr>
           <a:xfrm>
-            <a:off x="5254267" y="642920"/>
+            <a:off x="5732099" y="581877"/>
             <a:ext cx="5760720" cy="1651887"/>
           </a:xfrm>
           <a:prstGeom prst="rect">
